--- a/PIR-Setup- User Guide- PPTs/PIR- Executives PPT.pptx
+++ b/PIR-Setup- User Guide- PPTs/PIR- Executives PPT.pptx
@@ -671,14 +671,14 @@
           </a:ln>
           <a:extLst>
             <a:ext uri="{909E8E84-426E-40dd-AFC4-6F175D3DCCD1}">
-              <a14:hiddenFill xmlns:a14="http://schemas.microsoft.com/office/drawing/2010/main" xmlns="">
+              <a14:hiddenFill xmlns="" xmlns:a14="http://schemas.microsoft.com/office/drawing/2010/main">
                 <a:solidFill>
                   <a:srgbClr val="FFFFFF"/>
                 </a:solidFill>
               </a14:hiddenFill>
             </a:ext>
             <a:ext uri="{91240B29-F687-4f45-9708-019B960494DF}">
-              <a14:hiddenLine xmlns:a14="http://schemas.microsoft.com/office/drawing/2010/main" xmlns="" w="9525">
+              <a14:hiddenLine xmlns="" xmlns:a14="http://schemas.microsoft.com/office/drawing/2010/main" w="9525">
                 <a:solidFill>
                   <a:srgbClr val="000000"/>
                 </a:solidFill>
@@ -731,14 +731,14 @@
           </a:ln>
           <a:extLst>
             <a:ext uri="{909E8E84-426E-40dd-AFC4-6F175D3DCCD1}">
-              <a14:hiddenFill xmlns:a14="http://schemas.microsoft.com/office/drawing/2010/main" xmlns="">
+              <a14:hiddenFill xmlns="" xmlns:a14="http://schemas.microsoft.com/office/drawing/2010/main">
                 <a:solidFill>
                   <a:srgbClr val="FFFFFF"/>
                 </a:solidFill>
               </a14:hiddenFill>
             </a:ext>
             <a:ext uri="{91240B29-F687-4f45-9708-019B960494DF}">
-              <a14:hiddenLine xmlns:a14="http://schemas.microsoft.com/office/drawing/2010/main" xmlns="" w="9525">
+              <a14:hiddenLine xmlns="" xmlns:a14="http://schemas.microsoft.com/office/drawing/2010/main" w="9525">
                 <a:solidFill>
                   <a:srgbClr val="000000"/>
                 </a:solidFill>
@@ -1107,14 +1107,14 @@
           </a:ln>
           <a:extLst>
             <a:ext uri="{909E8E84-426E-40dd-AFC4-6F175D3DCCD1}">
-              <a14:hiddenFill xmlns:a14="http://schemas.microsoft.com/office/drawing/2010/main" xmlns="">
+              <a14:hiddenFill xmlns="" xmlns:a14="http://schemas.microsoft.com/office/drawing/2010/main">
                 <a:solidFill>
                   <a:srgbClr val="FFFFFF"/>
                 </a:solidFill>
               </a14:hiddenFill>
             </a:ext>
             <a:ext uri="{91240B29-F687-4f45-9708-019B960494DF}">
-              <a14:hiddenLine xmlns:a14="http://schemas.microsoft.com/office/drawing/2010/main" xmlns="" w="9525">
+              <a14:hiddenLine xmlns="" xmlns:a14="http://schemas.microsoft.com/office/drawing/2010/main" w="9525">
                 <a:solidFill>
                   <a:srgbClr val="000000"/>
                 </a:solidFill>
@@ -1273,14 +1273,14 @@
           </a:ln>
           <a:extLst>
             <a:ext uri="{909E8E84-426E-40dd-AFC4-6F175D3DCCD1}">
-              <a14:hiddenFill xmlns:a14="http://schemas.microsoft.com/office/drawing/2010/main" xmlns="">
+              <a14:hiddenFill xmlns="" xmlns:a14="http://schemas.microsoft.com/office/drawing/2010/main">
                 <a:solidFill>
                   <a:srgbClr val="FFFFFF"/>
                 </a:solidFill>
               </a14:hiddenFill>
             </a:ext>
             <a:ext uri="{91240B29-F687-4f45-9708-019B960494DF}">
-              <a14:hiddenLine xmlns:a14="http://schemas.microsoft.com/office/drawing/2010/main" xmlns="" w="9525">
+              <a14:hiddenLine xmlns="" xmlns:a14="http://schemas.microsoft.com/office/drawing/2010/main" w="9525">
                 <a:solidFill>
                   <a:srgbClr val="000000"/>
                 </a:solidFill>
@@ -1655,14 +1655,14 @@
           </a:ln>
           <a:extLst>
             <a:ext uri="{909E8E84-426E-40dd-AFC4-6F175D3DCCD1}">
-              <a14:hiddenFill xmlns:a14="http://schemas.microsoft.com/office/drawing/2010/main" xmlns="">
+              <a14:hiddenFill xmlns="" xmlns:a14="http://schemas.microsoft.com/office/drawing/2010/main">
                 <a:solidFill>
                   <a:srgbClr val="FFFFFF"/>
                 </a:solidFill>
               </a14:hiddenFill>
             </a:ext>
             <a:ext uri="{91240B29-F687-4f45-9708-019B960494DF}">
-              <a14:hiddenLine xmlns:a14="http://schemas.microsoft.com/office/drawing/2010/main" xmlns="" w="9525">
+              <a14:hiddenLine xmlns="" xmlns:a14="http://schemas.microsoft.com/office/drawing/2010/main" w="9525">
                 <a:solidFill>
                   <a:srgbClr val="000000"/>
                 </a:solidFill>
@@ -1715,14 +1715,14 @@
           </a:ln>
           <a:extLst>
             <a:ext uri="{909E8E84-426E-40dd-AFC4-6F175D3DCCD1}">
-              <a14:hiddenFill xmlns:a14="http://schemas.microsoft.com/office/drawing/2010/main" xmlns="">
+              <a14:hiddenFill xmlns="" xmlns:a14="http://schemas.microsoft.com/office/drawing/2010/main">
                 <a:solidFill>
                   <a:srgbClr val="FFFFFF"/>
                 </a:solidFill>
               </a14:hiddenFill>
             </a:ext>
             <a:ext uri="{91240B29-F687-4f45-9708-019B960494DF}">
-              <a14:hiddenLine xmlns:a14="http://schemas.microsoft.com/office/drawing/2010/main" xmlns="" w="9525">
+              <a14:hiddenLine xmlns="" xmlns:a14="http://schemas.microsoft.com/office/drawing/2010/main" w="9525">
                 <a:solidFill>
                   <a:srgbClr val="000000"/>
                 </a:solidFill>
@@ -2010,14 +2010,14 @@
           </a:ln>
           <a:extLst>
             <a:ext uri="{909E8E84-426E-40dd-AFC4-6F175D3DCCD1}">
-              <a14:hiddenFill xmlns:a14="http://schemas.microsoft.com/office/drawing/2010/main" xmlns="">
+              <a14:hiddenFill xmlns="" xmlns:a14="http://schemas.microsoft.com/office/drawing/2010/main">
                 <a:solidFill>
                   <a:srgbClr val="FFFFFF"/>
                 </a:solidFill>
               </a14:hiddenFill>
             </a:ext>
             <a:ext uri="{91240B29-F687-4f45-9708-019B960494DF}">
-              <a14:hiddenLine xmlns:a14="http://schemas.microsoft.com/office/drawing/2010/main" xmlns="" w="9525">
+              <a14:hiddenLine xmlns="" xmlns:a14="http://schemas.microsoft.com/office/drawing/2010/main" w="9525">
                 <a:solidFill>
                   <a:srgbClr val="000000"/>
                 </a:solidFill>
@@ -2070,14 +2070,14 @@
           </a:ln>
           <a:extLst>
             <a:ext uri="{909E8E84-426E-40dd-AFC4-6F175D3DCCD1}">
-              <a14:hiddenFill xmlns:a14="http://schemas.microsoft.com/office/drawing/2010/main" xmlns="">
+              <a14:hiddenFill xmlns="" xmlns:a14="http://schemas.microsoft.com/office/drawing/2010/main">
                 <a:solidFill>
                   <a:srgbClr val="FFFFFF"/>
                 </a:solidFill>
               </a14:hiddenFill>
             </a:ext>
             <a:ext uri="{91240B29-F687-4f45-9708-019B960494DF}">
-              <a14:hiddenLine xmlns:a14="http://schemas.microsoft.com/office/drawing/2010/main" xmlns="" w="9525">
+              <a14:hiddenLine xmlns="" xmlns:a14="http://schemas.microsoft.com/office/drawing/2010/main" w="9525">
                 <a:solidFill>
                   <a:srgbClr val="000000"/>
                 </a:solidFill>
@@ -2852,14 +2852,14 @@
           <a:noFill/>
           <a:extLst>
             <a:ext uri="{909E8E84-426E-40dd-AFC4-6F175D3DCCD1}">
-              <a14:hiddenFill xmlns:a14="http://schemas.microsoft.com/office/drawing/2010/main" xmlns="">
+              <a14:hiddenFill xmlns="" xmlns:a14="http://schemas.microsoft.com/office/drawing/2010/main">
                 <a:solidFill>
                   <a:srgbClr val="FFFFFF"/>
                 </a:solidFill>
               </a14:hiddenFill>
             </a:ext>
             <a:ext uri="{91240B29-F687-4f45-9708-019B960494DF}">
-              <a14:hiddenLine xmlns:a14="http://schemas.microsoft.com/office/drawing/2010/main" xmlns="" w="9525">
+              <a14:hiddenLine xmlns="" xmlns:a14="http://schemas.microsoft.com/office/drawing/2010/main" w="9525">
                 <a:solidFill>
                   <a:srgbClr val="000000"/>
                 </a:solidFill>
@@ -3027,14 +3027,14 @@
           <a:noFill/>
           <a:extLst>
             <a:ext uri="{909E8E84-426E-40dd-AFC4-6F175D3DCCD1}">
-              <a14:hiddenFill xmlns:a14="http://schemas.microsoft.com/office/drawing/2010/main" xmlns="">
+              <a14:hiddenFill xmlns="" xmlns:a14="http://schemas.microsoft.com/office/drawing/2010/main">
                 <a:solidFill>
                   <a:srgbClr val="FFFFFF"/>
                 </a:solidFill>
               </a14:hiddenFill>
             </a:ext>
             <a:ext uri="{91240B29-F687-4f45-9708-019B960494DF}">
-              <a14:hiddenLine xmlns:a14="http://schemas.microsoft.com/office/drawing/2010/main" xmlns="" w="9525">
+              <a14:hiddenLine xmlns="" xmlns:a14="http://schemas.microsoft.com/office/drawing/2010/main" w="9525">
                 <a:solidFill>
                   <a:srgbClr val="000000"/>
                 </a:solidFill>
@@ -3119,14 +3119,14 @@
           <a:effectLst/>
           <a:extLst>
             <a:ext uri="{909E8E84-426E-40dd-AFC4-6F175D3DCCD1}">
-              <a14:hiddenFill xmlns:a14="http://schemas.microsoft.com/office/drawing/2010/main" xmlns="">
+              <a14:hiddenFill xmlns="" xmlns:a14="http://schemas.microsoft.com/office/drawing/2010/main">
                 <a:solidFill>
                   <a:schemeClr val="accent1"/>
                 </a:solidFill>
               </a14:hiddenFill>
             </a:ext>
             <a:ext uri="{91240B29-F687-4f45-9708-019B960494DF}">
-              <a14:hiddenLine xmlns:a14="http://schemas.microsoft.com/office/drawing/2010/main" xmlns="" w="9525">
+              <a14:hiddenLine xmlns="" xmlns:a14="http://schemas.microsoft.com/office/drawing/2010/main" w="9525">
                 <a:solidFill>
                   <a:schemeClr val="tx1"/>
                 </a:solidFill>
@@ -3136,7 +3136,7 @@
               </a14:hiddenLine>
             </a:ext>
             <a:ext uri="{AF507438-7753-43e0-B8FC-AC1667EBCBE1}">
-              <a14:hiddenEffects xmlns:a14="http://schemas.microsoft.com/office/drawing/2010/main" xmlns="">
+              <a14:hiddenEffects xmlns="" xmlns:a14="http://schemas.microsoft.com/office/drawing/2010/main">
                 <a:effectLst>
                   <a:outerShdw dist="35921" dir="2700000" algn="ctr" rotWithShape="0">
                     <a:schemeClr val="bg2"/>
@@ -3308,14 +3308,14 @@
           </a:ln>
           <a:extLst>
             <a:ext uri="{909E8E84-426E-40dd-AFC4-6F175D3DCCD1}">
-              <a14:hiddenFill xmlns:a14="http://schemas.microsoft.com/office/drawing/2010/main" xmlns="">
+              <a14:hiddenFill xmlns="" xmlns:a14="http://schemas.microsoft.com/office/drawing/2010/main">
                 <a:solidFill>
                   <a:srgbClr val="FFFFFF"/>
                 </a:solidFill>
               </a14:hiddenFill>
             </a:ext>
             <a:ext uri="{91240B29-F687-4f45-9708-019B960494DF}">
-              <a14:hiddenLine xmlns:a14="http://schemas.microsoft.com/office/drawing/2010/main" xmlns="" w="9525">
+              <a14:hiddenLine xmlns="" xmlns:a14="http://schemas.microsoft.com/office/drawing/2010/main" w="9525">
                 <a:solidFill>
                   <a:srgbClr val="000000"/>
                 </a:solidFill>
@@ -3562,7 +3562,7 @@
           </a:ln>
           <a:extLst>
             <a:ext uri="{909E8E84-426E-40dd-AFC4-6F175D3DCCD1}">
-              <a14:hiddenFill xmlns:a14="http://schemas.microsoft.com/office/drawing/2010/main" xmlns="">
+              <a14:hiddenFill xmlns="" xmlns:a14="http://schemas.microsoft.com/office/drawing/2010/main">
                 <a:solidFill>
                   <a:srgbClr val="FFFFFF"/>
                 </a:solidFill>
@@ -3977,7 +3977,7 @@
           </a:ln>
           <a:extLst>
             <a:ext uri="{909E8E84-426E-40dd-AFC4-6F175D3DCCD1}">
-              <a14:hiddenFill xmlns:a14="http://schemas.microsoft.com/office/drawing/2010/main" xmlns="">
+              <a14:hiddenFill xmlns="" xmlns:a14="http://schemas.microsoft.com/office/drawing/2010/main">
                 <a:solidFill>
                   <a:srgbClr val="FFFFFF"/>
                 </a:solidFill>
@@ -4141,14 +4141,14 @@
           <a:effectLst/>
           <a:extLst>
             <a:ext uri="{909E8E84-426E-40dd-AFC4-6F175D3DCCD1}">
-              <a14:hiddenFill xmlns:a14="http://schemas.microsoft.com/office/drawing/2010/main" xmlns="">
+              <a14:hiddenFill xmlns="" xmlns:a14="http://schemas.microsoft.com/office/drawing/2010/main">
                 <a:solidFill>
                   <a:schemeClr val="accent1"/>
                 </a:solidFill>
               </a14:hiddenFill>
             </a:ext>
             <a:ext uri="{91240B29-F687-4f45-9708-019B960494DF}">
-              <a14:hiddenLine xmlns:a14="http://schemas.microsoft.com/office/drawing/2010/main" xmlns="" w="9525">
+              <a14:hiddenLine xmlns="" xmlns:a14="http://schemas.microsoft.com/office/drawing/2010/main" w="9525">
                 <a:solidFill>
                   <a:schemeClr val="tx1"/>
                 </a:solidFill>
@@ -4158,7 +4158,7 @@
               </a14:hiddenLine>
             </a:ext>
             <a:ext uri="{AF507438-7753-43e0-B8FC-AC1667EBCBE1}">
-              <a14:hiddenEffects xmlns:a14="http://schemas.microsoft.com/office/drawing/2010/main" xmlns="">
+              <a14:hiddenEffects xmlns="" xmlns:a14="http://schemas.microsoft.com/office/drawing/2010/main">
                 <a:effectLst>
                   <a:outerShdw dist="35921" dir="2700000" algn="ctr" rotWithShape="0">
                     <a:schemeClr val="bg2"/>
@@ -4925,7 +4925,7 @@
           </a:ln>
           <a:extLst>
             <a:ext uri="{909E8E84-426E-40dd-AFC4-6F175D3DCCD1}">
-              <a14:hiddenFill xmlns:a14="http://schemas.microsoft.com/office/drawing/2010/main" xmlns="">
+              <a14:hiddenFill xmlns="" xmlns:a14="http://schemas.microsoft.com/office/drawing/2010/main">
                 <a:solidFill>
                   <a:srgbClr val="FFFFFF"/>
                 </a:solidFill>
@@ -5267,7 +5267,7 @@
           </a:ln>
           <a:extLst>
             <a:ext uri="{909E8E84-426E-40dd-AFC4-6F175D3DCCD1}">
-              <a14:hiddenFill xmlns:a14="http://schemas.microsoft.com/office/drawing/2010/main" xmlns="">
+              <a14:hiddenFill xmlns="" xmlns:a14="http://schemas.microsoft.com/office/drawing/2010/main">
                 <a:solidFill>
                   <a:srgbClr val="FFFFFF"/>
                 </a:solidFill>
@@ -5511,7 +5511,7 @@
           </a:ln>
           <a:extLst>
             <a:ext uri="{909E8E84-426E-40dd-AFC4-6F175D3DCCD1}">
-              <a14:hiddenFill xmlns:a14="http://schemas.microsoft.com/office/drawing/2010/main" xmlns="">
+              <a14:hiddenFill xmlns="" xmlns:a14="http://schemas.microsoft.com/office/drawing/2010/main">
                 <a:solidFill>
                   <a:srgbClr val="FFFFFF"/>
                 </a:solidFill>
@@ -5558,14 +5558,14 @@
           <a:noFill/>
           <a:extLst>
             <a:ext uri="{909E8E84-426E-40dd-AFC4-6F175D3DCCD1}">
-              <a14:hiddenFill xmlns:a14="http://schemas.microsoft.com/office/drawing/2010/main" xmlns="">
+              <a14:hiddenFill xmlns="" xmlns:a14="http://schemas.microsoft.com/office/drawing/2010/main">
                 <a:solidFill>
                   <a:srgbClr val="FFFFFF"/>
                 </a:solidFill>
               </a14:hiddenFill>
             </a:ext>
             <a:ext uri="{91240B29-F687-4f45-9708-019B960494DF}">
-              <a14:hiddenLine xmlns:a14="http://schemas.microsoft.com/office/drawing/2010/main" xmlns="" w="9525">
+              <a14:hiddenLine xmlns="" xmlns:a14="http://schemas.microsoft.com/office/drawing/2010/main" w="9525">
                 <a:solidFill>
                   <a:srgbClr val="000000"/>
                 </a:solidFill>
@@ -5762,7 +5762,7 @@
           </a:ln>
           <a:extLst>
             <a:ext uri="{909E8E84-426E-40dd-AFC4-6F175D3DCCD1}">
-              <a14:hiddenFill xmlns:a14="http://schemas.microsoft.com/office/drawing/2010/main" xmlns="">
+              <a14:hiddenFill xmlns="" xmlns:a14="http://schemas.microsoft.com/office/drawing/2010/main">
                 <a:solidFill>
                   <a:srgbClr val="FFFFFF"/>
                 </a:solidFill>
@@ -5954,7 +5954,7 @@
           </a:ln>
           <a:extLst>
             <a:ext uri="{909E8E84-426E-40dd-AFC4-6F175D3DCCD1}">
-              <a14:hiddenFill xmlns:a14="http://schemas.microsoft.com/office/drawing/2010/main" xmlns="">
+              <a14:hiddenFill xmlns="" xmlns:a14="http://schemas.microsoft.com/office/drawing/2010/main">
                 <a:solidFill>
                   <a:srgbClr val="FFFFFF"/>
                 </a:solidFill>
@@ -6001,14 +6001,14 @@
           <a:noFill/>
           <a:extLst>
             <a:ext uri="{909E8E84-426E-40dd-AFC4-6F175D3DCCD1}">
-              <a14:hiddenFill xmlns:a14="http://schemas.microsoft.com/office/drawing/2010/main" xmlns="">
+              <a14:hiddenFill xmlns="" xmlns:a14="http://schemas.microsoft.com/office/drawing/2010/main">
                 <a:solidFill>
                   <a:srgbClr val="FFFFFF"/>
                 </a:solidFill>
               </a14:hiddenFill>
             </a:ext>
             <a:ext uri="{91240B29-F687-4f45-9708-019B960494DF}">
-              <a14:hiddenLine xmlns:a14="http://schemas.microsoft.com/office/drawing/2010/main" xmlns="" w="9525">
+              <a14:hiddenLine xmlns="" xmlns:a14="http://schemas.microsoft.com/office/drawing/2010/main" w="9525">
                 <a:solidFill>
                   <a:srgbClr val="000000"/>
                 </a:solidFill>
@@ -6210,7 +6210,7 @@
           </a:ln>
           <a:extLst>
             <a:ext uri="{909E8E84-426E-40dd-AFC4-6F175D3DCCD1}">
-              <a14:hiddenFill xmlns:a14="http://schemas.microsoft.com/office/drawing/2010/main" xmlns="">
+              <a14:hiddenFill xmlns="" xmlns:a14="http://schemas.microsoft.com/office/drawing/2010/main">
                 <a:solidFill>
                   <a:srgbClr val="FFFFFF"/>
                 </a:solidFill>
@@ -6261,14 +6261,14 @@
           <a:noFill/>
           <a:extLst>
             <a:ext uri="{909E8E84-426E-40dd-AFC4-6F175D3DCCD1}">
-              <a14:hiddenFill xmlns:a14="http://schemas.microsoft.com/office/drawing/2010/main" xmlns="">
+              <a14:hiddenFill xmlns="" xmlns:a14="http://schemas.microsoft.com/office/drawing/2010/main">
                 <a:solidFill>
                   <a:srgbClr val="FFFFFF"/>
                 </a:solidFill>
               </a14:hiddenFill>
             </a:ext>
             <a:ext uri="{91240B29-F687-4f45-9708-019B960494DF}">
-              <a14:hiddenLine xmlns:a14="http://schemas.microsoft.com/office/drawing/2010/main" xmlns="" w="9525">
+              <a14:hiddenLine xmlns="" xmlns:a14="http://schemas.microsoft.com/office/drawing/2010/main" w="9525">
                 <a:solidFill>
                   <a:srgbClr val="000000"/>
                 </a:solidFill>
@@ -6745,14 +6745,14 @@
           </a:ln>
           <a:extLst>
             <a:ext uri="{909E8E84-426E-40dd-AFC4-6F175D3DCCD1}">
-              <a14:hiddenFill xmlns:a14="http://schemas.microsoft.com/office/drawing/2010/main" xmlns="">
+              <a14:hiddenFill xmlns="" xmlns:a14="http://schemas.microsoft.com/office/drawing/2010/main">
                 <a:solidFill>
                   <a:srgbClr val="FFFFFF"/>
                 </a:solidFill>
               </a14:hiddenFill>
             </a:ext>
             <a:ext uri="{91240B29-F687-4f45-9708-019B960494DF}">
-              <a14:hiddenLine xmlns:a14="http://schemas.microsoft.com/office/drawing/2010/main" xmlns="" w="9525">
+              <a14:hiddenLine xmlns="" xmlns:a14="http://schemas.microsoft.com/office/drawing/2010/main" w="9525">
                 <a:solidFill>
                   <a:srgbClr val="000000"/>
                 </a:solidFill>
@@ -6792,14 +6792,14 @@
           </a:ln>
           <a:extLst>
             <a:ext uri="{909E8E84-426E-40dd-AFC4-6F175D3DCCD1}">
-              <a14:hiddenFill xmlns:a14="http://schemas.microsoft.com/office/drawing/2010/main" xmlns="">
+              <a14:hiddenFill xmlns="" xmlns:a14="http://schemas.microsoft.com/office/drawing/2010/main">
                 <a:solidFill>
                   <a:srgbClr val="FFFFFF"/>
                 </a:solidFill>
               </a14:hiddenFill>
             </a:ext>
             <a:ext uri="{91240B29-F687-4f45-9708-019B960494DF}">
-              <a14:hiddenLine xmlns:a14="http://schemas.microsoft.com/office/drawing/2010/main" xmlns="" w="9525">
+              <a14:hiddenLine xmlns="" xmlns:a14="http://schemas.microsoft.com/office/drawing/2010/main" w="9525">
                 <a:solidFill>
                   <a:srgbClr val="000000"/>
                 </a:solidFill>
@@ -6989,7 +6989,7 @@
           </a:ln>
           <a:extLst>
             <a:ext uri="{909E8E84-426E-40dd-AFC4-6F175D3DCCD1}">
-              <a14:hiddenFill xmlns:a14="http://schemas.microsoft.com/office/drawing/2010/main" xmlns="">
+              <a14:hiddenFill xmlns="" xmlns:a14="http://schemas.microsoft.com/office/drawing/2010/main">
                 <a:solidFill>
                   <a:srgbClr val="FFFFFF"/>
                 </a:solidFill>
@@ -7040,14 +7040,14 @@
           <a:noFill/>
           <a:extLst>
             <a:ext uri="{909E8E84-426E-40dd-AFC4-6F175D3DCCD1}">
-              <a14:hiddenFill xmlns:a14="http://schemas.microsoft.com/office/drawing/2010/main" xmlns="">
+              <a14:hiddenFill xmlns="" xmlns:a14="http://schemas.microsoft.com/office/drawing/2010/main">
                 <a:solidFill>
                   <a:srgbClr val="FFFFFF"/>
                 </a:solidFill>
               </a14:hiddenFill>
             </a:ext>
             <a:ext uri="{91240B29-F687-4f45-9708-019B960494DF}">
-              <a14:hiddenLine xmlns:a14="http://schemas.microsoft.com/office/drawing/2010/main" xmlns="" w="9525">
+              <a14:hiddenLine xmlns="" xmlns:a14="http://schemas.microsoft.com/office/drawing/2010/main" w="9525">
                 <a:solidFill>
                   <a:srgbClr val="000000"/>
                 </a:solidFill>
@@ -7436,14 +7436,14 @@
           <a:noFill/>
           <a:extLst>
             <a:ext uri="{909E8E84-426E-40dd-AFC4-6F175D3DCCD1}">
-              <a14:hiddenFill xmlns:a14="http://schemas.microsoft.com/office/drawing/2010/main" xmlns="">
+              <a14:hiddenFill xmlns="" xmlns:a14="http://schemas.microsoft.com/office/drawing/2010/main">
                 <a:solidFill>
                   <a:srgbClr val="FFFFFF"/>
                 </a:solidFill>
               </a14:hiddenFill>
             </a:ext>
             <a:ext uri="{91240B29-F687-4f45-9708-019B960494DF}">
-              <a14:hiddenLine xmlns:a14="http://schemas.microsoft.com/office/drawing/2010/main" xmlns="" w="9525">
+              <a14:hiddenLine xmlns="" xmlns:a14="http://schemas.microsoft.com/office/drawing/2010/main" w="9525">
                 <a:solidFill>
                   <a:srgbClr val="000000"/>
                 </a:solidFill>
@@ -7616,7 +7616,7 @@
           </a:ln>
           <a:extLst>
             <a:ext uri="{909E8E84-426E-40dd-AFC4-6F175D3DCCD1}">
-              <a14:hiddenFill xmlns:a14="http://schemas.microsoft.com/office/drawing/2010/main" xmlns="">
+              <a14:hiddenFill xmlns="" xmlns:a14="http://schemas.microsoft.com/office/drawing/2010/main">
                 <a:solidFill>
                   <a:srgbClr val="FFFFFF"/>
                 </a:solidFill>
@@ -7965,7 +7965,7 @@
           </a:ln>
           <a:extLst>
             <a:ext uri="{909E8E84-426E-40dd-AFC4-6F175D3DCCD1}">
-              <a14:hiddenFill xmlns:a14="http://schemas.microsoft.com/office/drawing/2010/main" xmlns="">
+              <a14:hiddenFill xmlns="" xmlns:a14="http://schemas.microsoft.com/office/drawing/2010/main">
                 <a:solidFill>
                   <a:srgbClr val="FFFFFF"/>
                 </a:solidFill>
@@ -8012,14 +8012,14 @@
           <a:noFill/>
           <a:extLst>
             <a:ext uri="{909E8E84-426E-40dd-AFC4-6F175D3DCCD1}">
-              <a14:hiddenFill xmlns:a14="http://schemas.microsoft.com/office/drawing/2010/main" xmlns="">
+              <a14:hiddenFill xmlns="" xmlns:a14="http://schemas.microsoft.com/office/drawing/2010/main">
                 <a:solidFill>
                   <a:srgbClr val="FFFFFF"/>
                 </a:solidFill>
               </a14:hiddenFill>
             </a:ext>
             <a:ext uri="{91240B29-F687-4f45-9708-019B960494DF}">
-              <a14:hiddenLine xmlns:a14="http://schemas.microsoft.com/office/drawing/2010/main" xmlns="" w="9525">
+              <a14:hiddenLine xmlns="" xmlns:a14="http://schemas.microsoft.com/office/drawing/2010/main" w="9525">
                 <a:solidFill>
                   <a:srgbClr val="000000"/>
                 </a:solidFill>
@@ -8288,14 +8288,14 @@
           <a:noFill/>
           <a:extLst>
             <a:ext uri="{909E8E84-426E-40dd-AFC4-6F175D3DCCD1}">
-              <a14:hiddenFill xmlns:a14="http://schemas.microsoft.com/office/drawing/2010/main" xmlns="">
+              <a14:hiddenFill xmlns="" xmlns:a14="http://schemas.microsoft.com/office/drawing/2010/main">
                 <a:solidFill>
                   <a:srgbClr val="FFFFFF"/>
                 </a:solidFill>
               </a14:hiddenFill>
             </a:ext>
             <a:ext uri="{91240B29-F687-4f45-9708-019B960494DF}">
-              <a14:hiddenLine xmlns:a14="http://schemas.microsoft.com/office/drawing/2010/main" xmlns="" w="9525">
+              <a14:hiddenLine xmlns="" xmlns:a14="http://schemas.microsoft.com/office/drawing/2010/main" w="9525">
                 <a:solidFill>
                   <a:srgbClr val="000000"/>
                 </a:solidFill>
@@ -8468,7 +8468,7 @@
           </a:ln>
           <a:extLst>
             <a:ext uri="{909E8E84-426E-40dd-AFC4-6F175D3DCCD1}">
-              <a14:hiddenFill xmlns:a14="http://schemas.microsoft.com/office/drawing/2010/main" xmlns="">
+              <a14:hiddenFill xmlns="" xmlns:a14="http://schemas.microsoft.com/office/drawing/2010/main">
                 <a:solidFill>
                   <a:srgbClr val="FFFFFF"/>
                 </a:solidFill>
@@ -8966,7 +8966,7 @@
           </a:ln>
           <a:extLst>
             <a:ext uri="{909E8E84-426E-40dd-AFC4-6F175D3DCCD1}">
-              <a14:hiddenFill xmlns:a14="http://schemas.microsoft.com/office/drawing/2010/main" xmlns="">
+              <a14:hiddenFill xmlns="" xmlns:a14="http://schemas.microsoft.com/office/drawing/2010/main">
                 <a:solidFill>
                   <a:srgbClr val="FFFFFF"/>
                 </a:solidFill>
@@ -9237,8 +9237,8 @@
         </p:nvSpPr>
         <p:spPr>
           <a:xfrm>
-            <a:off x="2296633" y="5841141"/>
-            <a:ext cx="2626242" cy="461665"/>
+            <a:off x="2296632" y="5841141"/>
+            <a:ext cx="3604438" cy="276999"/>
           </a:xfrm>
           <a:prstGeom prst="rect">
             <a:avLst/>
@@ -9253,15 +9253,7 @@
           <a:p>
             <a:r>
               <a:rPr lang="en-US" sz="1200" dirty="0"/>
-              <a:t>Machine Learning Mode </a:t>
-            </a:r>
-            <a:r>
-              <a:rPr lang="en-US" sz="1200" dirty="0" err="1"/>
-              <a:t>Performancel</a:t>
-            </a:r>
-            <a:r>
-              <a:rPr lang="en-US" sz="1200" dirty="0"/>
-              <a:t> Comparison</a:t>
+              <a:t>Machine Learning Mode Performance Comparison</a:t>
             </a:r>
           </a:p>
         </p:txBody>
